--- a/ppt/MLOps06-Quality.pptx
+++ b/ppt/MLOps06-Quality.pptx
@@ -5474,7 +5474,7 @@
           <a:p>
             <a:r>
               <a:rPr lang="fr-FR" dirty="0"/>
-              <a:t>Le problème numéro est un mauvais </a:t>
+              <a:t>Le problème numéro 1 : un mauvais </a:t>
             </a:r>
             <a:r>
               <a:rPr lang="fr-FR" dirty="0" err="1"/>
@@ -5520,13 +5520,21 @@
               <a:rPr lang="fr-FR" dirty="0" err="1"/>
               <a:t>underfitting</a:t>
             </a:r>
+            <a:r>
+              <a:rPr lang="fr-FR" dirty="0"/>
+              <a:t> – d’</a:t>
+            </a:r>
+            <a:r>
+              <a:rPr lang="fr-FR" dirty="0" err="1"/>
+              <a:t>overfitting</a:t>
+            </a:r>
             <a:endParaRPr lang="fr-FR" dirty="0"/>
           </a:p>
           <a:p>
             <a:pPr lvl="1"/>
             <a:r>
               <a:rPr lang="fr-FR" dirty="0"/>
-              <a:t>Pire risque d’un mauvais </a:t>
+              <a:t>Risque d’un mauvais </a:t>
             </a:r>
             <a:r>
               <a:rPr lang="fr-FR" dirty="0" err="1"/>

--- a/ppt/MLOps06-Quality.pptx
+++ b/ppt/MLOps06-Quality.pptx
@@ -30,9 +30,9 @@
     <p:sldId id="344" r:id="rId18"/>
     <p:sldId id="362" r:id="rId19"/>
     <p:sldId id="347" r:id="rId20"/>
-    <p:sldId id="356" r:id="rId21"/>
-    <p:sldId id="357" r:id="rId22"/>
-    <p:sldId id="364" r:id="rId23"/>
+    <p:sldId id="364" r:id="rId21"/>
+    <p:sldId id="356" r:id="rId22"/>
+    <p:sldId id="357" r:id="rId23"/>
   </p:sldIdLst>
   <p:sldSz cx="9144000" cy="6858000" type="screen4x3"/>
   <p:notesSz cx="6648450" cy="9782175"/>
@@ -4689,6 +4689,10 @@
           <a:lstStyle/>
           <a:p>
             <a:r>
+              <a:rPr lang="fr-FR" dirty="0"/>
+              <a:t>Problème n°3 : </a:t>
+            </a:r>
+            <a:r>
               <a:rPr lang="fr-FR" dirty="0" err="1"/>
               <a:t>Scaling</a:t>
             </a:r>
@@ -5558,6 +5562,141 @@
 </file>
 
 <file path=ppt/slides/slide20.xml><?xml version="1.0" encoding="utf-8"?>
+<p:sld xmlns:a="http://schemas.openxmlformats.org/drawingml/2006/main" xmlns:r="http://schemas.openxmlformats.org/officeDocument/2006/relationships" xmlns:p="http://schemas.openxmlformats.org/presentationml/2006/main">
+  <p:cSld>
+    <p:spTree>
+      <p:nvGrpSpPr>
+        <p:cNvPr id="1" name=""/>
+        <p:cNvGrpSpPr/>
+        <p:nvPr/>
+      </p:nvGrpSpPr>
+      <p:grpSpPr>
+        <a:xfrm>
+          <a:off x="0" y="0"/>
+          <a:ext cx="0" cy="0"/>
+          <a:chOff x="0" y="0"/>
+          <a:chExt cx="0" cy="0"/>
+        </a:xfrm>
+      </p:grpSpPr>
+      <p:sp>
+        <p:nvSpPr>
+          <p:cNvPr id="3" name="Espace réservé du contenu 2">
+            <a:extLst>
+              <a:ext uri="{FF2B5EF4-FFF2-40B4-BE49-F238E27FC236}">
+                <a16:creationId xmlns:a16="http://schemas.microsoft.com/office/drawing/2014/main" id="{01FC34B3-6A19-41D7-2EB2-30D68BF0E501}"/>
+              </a:ext>
+            </a:extLst>
+          </p:cNvPr>
+          <p:cNvSpPr>
+            <a:spLocks noGrp="1"/>
+          </p:cNvSpPr>
+          <p:nvPr>
+            <p:ph idx="1"/>
+          </p:nvPr>
+        </p:nvSpPr>
+        <p:spPr/>
+        <p:txBody>
+          <a:bodyPr/>
+          <a:lstStyle/>
+          <a:p>
+            <a:endParaRPr lang="fr-FR" dirty="0"/>
+          </a:p>
+        </p:txBody>
+      </p:sp>
+      <p:pic>
+        <p:nvPicPr>
+          <p:cNvPr id="1026" name="Picture 2">
+            <a:extLst>
+              <a:ext uri="{FF2B5EF4-FFF2-40B4-BE49-F238E27FC236}">
+                <a16:creationId xmlns:a16="http://schemas.microsoft.com/office/drawing/2014/main" id="{F6DA252F-7D45-04F7-A8E7-91B493B03ED2}"/>
+              </a:ext>
+            </a:extLst>
+          </p:cNvPr>
+          <p:cNvPicPr>
+            <a:picLocks noChangeAspect="1" noChangeArrowheads="1"/>
+          </p:cNvPicPr>
+          <p:nvPr/>
+        </p:nvPicPr>
+        <p:blipFill>
+          <a:blip r:embed="rId2">
+            <a:extLst>
+              <a:ext uri="{28A0092B-C50C-407E-A947-70E740481C1C}">
+                <a14:useLocalDpi xmlns:a14="http://schemas.microsoft.com/office/drawing/2010/main" val="0"/>
+              </a:ext>
+            </a:extLst>
+          </a:blip>
+          <a:srcRect/>
+          <a:stretch>
+            <a:fillRect/>
+          </a:stretch>
+        </p:blipFill>
+        <p:spPr bwMode="auto">
+          <a:xfrm>
+            <a:off x="2195736" y="980728"/>
+            <a:ext cx="3977609" cy="5300206"/>
+          </a:xfrm>
+          <a:prstGeom prst="rect">
+            <a:avLst/>
+          </a:prstGeom>
+          <a:noFill/>
+          <a:extLst>
+            <a:ext uri="{909E8E84-426E-40DD-AFC4-6F175D3DCCD1}">
+              <a14:hiddenFill xmlns:a14="http://schemas.microsoft.com/office/drawing/2010/main">
+                <a:solidFill>
+                  <a:srgbClr val="FFFFFF"/>
+                </a:solidFill>
+              </a14:hiddenFill>
+            </a:ext>
+          </a:extLst>
+        </p:spPr>
+      </p:pic>
+      <p:sp>
+        <p:nvSpPr>
+          <p:cNvPr id="4" name="Titre 3">
+            <a:extLst>
+              <a:ext uri="{FF2B5EF4-FFF2-40B4-BE49-F238E27FC236}">
+                <a16:creationId xmlns:a16="http://schemas.microsoft.com/office/drawing/2014/main" id="{4A16F4BE-AB11-645A-CBCC-7F123B7A82A8}"/>
+              </a:ext>
+            </a:extLst>
+          </p:cNvPr>
+          <p:cNvSpPr>
+            <a:spLocks noGrp="1"/>
+          </p:cNvSpPr>
+          <p:nvPr>
+            <p:ph type="title"/>
+          </p:nvPr>
+        </p:nvSpPr>
+        <p:spPr/>
+        <p:txBody>
+          <a:bodyPr/>
+          <a:lstStyle/>
+          <a:p>
+            <a:r>
+              <a:rPr lang="fr-FR" dirty="0"/>
+              <a:t>Problème n°4 : Choix des </a:t>
+            </a:r>
+            <a:r>
+              <a:rPr lang="fr-FR" dirty="0" err="1"/>
+              <a:t>metrics</a:t>
+            </a:r>
+            <a:endParaRPr lang="fr-FR" dirty="0"/>
+          </a:p>
+        </p:txBody>
+      </p:sp>
+    </p:spTree>
+    <p:extLst>
+      <p:ext uri="{BB962C8B-B14F-4D97-AF65-F5344CB8AC3E}">
+        <p14:creationId xmlns:p14="http://schemas.microsoft.com/office/powerpoint/2010/main" val="2416721478"/>
+      </p:ext>
+    </p:extLst>
+  </p:cSld>
+  <p:clrMapOvr>
+    <a:masterClrMapping/>
+  </p:clrMapOvr>
+</p:sld>
+</file>
+
+<file path=ppt/slides/slide21.xml><?xml version="1.0" encoding="utf-8"?>
 <p:sld xmlns:a="http://schemas.openxmlformats.org/drawingml/2006/main" xmlns:r="http://schemas.openxmlformats.org/officeDocument/2006/relationships" xmlns:p="http://schemas.openxmlformats.org/presentationml/2006/main">
   <p:cSld>
     <p:spTree>
@@ -5696,7 +5835,7 @@
 </p:sld>
 </file>
 
-<file path=ppt/slides/slide21.xml><?xml version="1.0" encoding="utf-8"?>
+<file path=ppt/slides/slide22.xml><?xml version="1.0" encoding="utf-8"?>
 <p:sld xmlns:a="http://schemas.openxmlformats.org/drawingml/2006/main" xmlns:r="http://schemas.openxmlformats.org/officeDocument/2006/relationships" xmlns:p="http://schemas.openxmlformats.org/presentationml/2006/main">
   <p:cSld>
     <p:spTree>
@@ -5865,133 +6004,6 @@
     <p:extLst>
       <p:ext uri="{BB962C8B-B14F-4D97-AF65-F5344CB8AC3E}">
         <p14:creationId xmlns:p14="http://schemas.microsoft.com/office/powerpoint/2010/main" val="8040911"/>
-      </p:ext>
-    </p:extLst>
-  </p:cSld>
-  <p:clrMapOvr>
-    <a:masterClrMapping/>
-  </p:clrMapOvr>
-</p:sld>
-</file>
-
-<file path=ppt/slides/slide22.xml><?xml version="1.0" encoding="utf-8"?>
-<p:sld xmlns:a="http://schemas.openxmlformats.org/drawingml/2006/main" xmlns:r="http://schemas.openxmlformats.org/officeDocument/2006/relationships" xmlns:p="http://schemas.openxmlformats.org/presentationml/2006/main">
-  <p:cSld>
-    <p:spTree>
-      <p:nvGrpSpPr>
-        <p:cNvPr id="1" name=""/>
-        <p:cNvGrpSpPr/>
-        <p:nvPr/>
-      </p:nvGrpSpPr>
-      <p:grpSpPr>
-        <a:xfrm>
-          <a:off x="0" y="0"/>
-          <a:ext cx="0" cy="0"/>
-          <a:chOff x="0" y="0"/>
-          <a:chExt cx="0" cy="0"/>
-        </a:xfrm>
-      </p:grpSpPr>
-      <p:sp>
-        <p:nvSpPr>
-          <p:cNvPr id="3" name="Espace réservé du contenu 2">
-            <a:extLst>
-              <a:ext uri="{FF2B5EF4-FFF2-40B4-BE49-F238E27FC236}">
-                <a16:creationId xmlns:a16="http://schemas.microsoft.com/office/drawing/2014/main" id="{01FC34B3-6A19-41D7-2EB2-30D68BF0E501}"/>
-              </a:ext>
-            </a:extLst>
-          </p:cNvPr>
-          <p:cNvSpPr>
-            <a:spLocks noGrp="1"/>
-          </p:cNvSpPr>
-          <p:nvPr>
-            <p:ph idx="1"/>
-          </p:nvPr>
-        </p:nvSpPr>
-        <p:spPr/>
-        <p:txBody>
-          <a:bodyPr/>
-          <a:lstStyle/>
-          <a:p>
-            <a:endParaRPr lang="fr-FR"/>
-          </a:p>
-        </p:txBody>
-      </p:sp>
-      <p:pic>
-        <p:nvPicPr>
-          <p:cNvPr id="1026" name="Picture 2">
-            <a:extLst>
-              <a:ext uri="{FF2B5EF4-FFF2-40B4-BE49-F238E27FC236}">
-                <a16:creationId xmlns:a16="http://schemas.microsoft.com/office/drawing/2014/main" id="{F6DA252F-7D45-04F7-A8E7-91B493B03ED2}"/>
-              </a:ext>
-            </a:extLst>
-          </p:cNvPr>
-          <p:cNvPicPr>
-            <a:picLocks noChangeAspect="1" noChangeArrowheads="1"/>
-          </p:cNvPicPr>
-          <p:nvPr/>
-        </p:nvPicPr>
-        <p:blipFill>
-          <a:blip r:embed="rId2">
-            <a:extLst>
-              <a:ext uri="{28A0092B-C50C-407E-A947-70E740481C1C}">
-                <a14:useLocalDpi xmlns:a14="http://schemas.microsoft.com/office/drawing/2010/main" val="0"/>
-              </a:ext>
-            </a:extLst>
-          </a:blip>
-          <a:srcRect/>
-          <a:stretch>
-            <a:fillRect/>
-          </a:stretch>
-        </p:blipFill>
-        <p:spPr bwMode="auto">
-          <a:xfrm>
-            <a:off x="2267744" y="573875"/>
-            <a:ext cx="3977609" cy="5300206"/>
-          </a:xfrm>
-          <a:prstGeom prst="rect">
-            <a:avLst/>
-          </a:prstGeom>
-          <a:noFill/>
-          <a:extLst>
-            <a:ext uri="{909E8E84-426E-40DD-AFC4-6F175D3DCCD1}">
-              <a14:hiddenFill xmlns:a14="http://schemas.microsoft.com/office/drawing/2010/main">
-                <a:solidFill>
-                  <a:srgbClr val="FFFFFF"/>
-                </a:solidFill>
-              </a14:hiddenFill>
-            </a:ext>
-          </a:extLst>
-        </p:spPr>
-      </p:pic>
-      <p:sp>
-        <p:nvSpPr>
-          <p:cNvPr id="4" name="Titre 3">
-            <a:extLst>
-              <a:ext uri="{FF2B5EF4-FFF2-40B4-BE49-F238E27FC236}">
-                <a16:creationId xmlns:a16="http://schemas.microsoft.com/office/drawing/2014/main" id="{4A16F4BE-AB11-645A-CBCC-7F123B7A82A8}"/>
-              </a:ext>
-            </a:extLst>
-          </p:cNvPr>
-          <p:cNvSpPr>
-            <a:spLocks noGrp="1"/>
-          </p:cNvSpPr>
-          <p:nvPr>
-            <p:ph type="title"/>
-          </p:nvPr>
-        </p:nvSpPr>
-        <p:spPr/>
-        <p:txBody>
-          <a:bodyPr/>
-          <a:lstStyle/>
-          <a:p>
-            <a:endParaRPr lang="fr-FR" dirty="0"/>
-          </a:p>
-        </p:txBody>
-      </p:sp>
-    </p:spTree>
-    <p:extLst>
-      <p:ext uri="{BB962C8B-B14F-4D97-AF65-F5344CB8AC3E}">
-        <p14:creationId xmlns:p14="http://schemas.microsoft.com/office/powerpoint/2010/main" val="2416721478"/>
       </p:ext>
     </p:extLst>
   </p:cSld>
@@ -6165,10 +6177,9 @@
           <a:lstStyle/>
           <a:p>
             <a:r>
-              <a:rPr lang="fr-FR" dirty="0" err="1"/>
-              <a:t>Surapprentissage</a:t>
-            </a:r>
-            <a:endParaRPr lang="fr-FR" dirty="0"/>
+              <a:rPr lang="fr-FR" dirty="0"/>
+              <a:t>Problème n°2 : Surapprentissage</a:t>
+            </a:r>
           </a:p>
         </p:txBody>
       </p:sp>
